--- a/Documentation-StartHere.pptx
+++ b/Documentation-StartHere.pptx
@@ -201,7 +201,7 @@
           <a:p>
             <a:fld id="{60EF0F69-F163-460A-B214-78D8F7D80835}" type="datetimeFigureOut">
               <a:rPr lang="en-US" smtClean="0"/>
-              <a:t>9/13/2024</a:t>
+              <a:t>9/16/2024</a:t>
             </a:fld>
             <a:endParaRPr lang="en-US"/>
           </a:p>
@@ -699,7 +699,7 @@
           <a:p>
             <a:fld id="{69EFD64F-CF2E-4B26-BBA2-28DC284BC161}" type="datetimeFigureOut">
               <a:rPr lang="en-US" smtClean="0"/>
-              <a:t>9/13/2024</a:t>
+              <a:t>9/16/2024</a:t>
             </a:fld>
             <a:endParaRPr lang="en-US"/>
           </a:p>
@@ -897,7 +897,7 @@
           <a:p>
             <a:fld id="{69EFD64F-CF2E-4B26-BBA2-28DC284BC161}" type="datetimeFigureOut">
               <a:rPr lang="en-US" smtClean="0"/>
-              <a:t>9/13/2024</a:t>
+              <a:t>9/16/2024</a:t>
             </a:fld>
             <a:endParaRPr lang="en-US"/>
           </a:p>
@@ -1105,7 +1105,7 @@
           <a:p>
             <a:fld id="{69EFD64F-CF2E-4B26-BBA2-28DC284BC161}" type="datetimeFigureOut">
               <a:rPr lang="en-US" smtClean="0"/>
-              <a:t>9/13/2024</a:t>
+              <a:t>9/16/2024</a:t>
             </a:fld>
             <a:endParaRPr lang="en-US"/>
           </a:p>
@@ -1303,7 +1303,7 @@
           <a:p>
             <a:fld id="{69EFD64F-CF2E-4B26-BBA2-28DC284BC161}" type="datetimeFigureOut">
               <a:rPr lang="en-US" smtClean="0"/>
-              <a:t>9/13/2024</a:t>
+              <a:t>9/16/2024</a:t>
             </a:fld>
             <a:endParaRPr lang="en-US"/>
           </a:p>
@@ -1578,7 +1578,7 @@
           <a:p>
             <a:fld id="{69EFD64F-CF2E-4B26-BBA2-28DC284BC161}" type="datetimeFigureOut">
               <a:rPr lang="en-US" smtClean="0"/>
-              <a:t>9/13/2024</a:t>
+              <a:t>9/16/2024</a:t>
             </a:fld>
             <a:endParaRPr lang="en-US"/>
           </a:p>
@@ -1843,7 +1843,7 @@
           <a:p>
             <a:fld id="{69EFD64F-CF2E-4B26-BBA2-28DC284BC161}" type="datetimeFigureOut">
               <a:rPr lang="en-US" smtClean="0"/>
-              <a:t>9/13/2024</a:t>
+              <a:t>9/16/2024</a:t>
             </a:fld>
             <a:endParaRPr lang="en-US"/>
           </a:p>
@@ -2255,7 +2255,7 @@
           <a:p>
             <a:fld id="{69EFD64F-CF2E-4B26-BBA2-28DC284BC161}" type="datetimeFigureOut">
               <a:rPr lang="en-US" smtClean="0"/>
-              <a:t>9/13/2024</a:t>
+              <a:t>9/16/2024</a:t>
             </a:fld>
             <a:endParaRPr lang="en-US"/>
           </a:p>
@@ -2396,7 +2396,7 @@
           <a:p>
             <a:fld id="{69EFD64F-CF2E-4B26-BBA2-28DC284BC161}" type="datetimeFigureOut">
               <a:rPr lang="en-US" smtClean="0"/>
-              <a:t>9/13/2024</a:t>
+              <a:t>9/16/2024</a:t>
             </a:fld>
             <a:endParaRPr lang="en-US"/>
           </a:p>
@@ -2509,7 +2509,7 @@
           <a:p>
             <a:fld id="{69EFD64F-CF2E-4B26-BBA2-28DC284BC161}" type="datetimeFigureOut">
               <a:rPr lang="en-US" smtClean="0"/>
-              <a:t>9/13/2024</a:t>
+              <a:t>9/16/2024</a:t>
             </a:fld>
             <a:endParaRPr lang="en-US"/>
           </a:p>
@@ -2820,7 +2820,7 @@
           <a:p>
             <a:fld id="{69EFD64F-CF2E-4B26-BBA2-28DC284BC161}" type="datetimeFigureOut">
               <a:rPr lang="en-US" smtClean="0"/>
-              <a:t>9/13/2024</a:t>
+              <a:t>9/16/2024</a:t>
             </a:fld>
             <a:endParaRPr lang="en-US"/>
           </a:p>
@@ -3108,7 +3108,7 @@
           <a:p>
             <a:fld id="{69EFD64F-CF2E-4B26-BBA2-28DC284BC161}" type="datetimeFigureOut">
               <a:rPr lang="en-US" smtClean="0"/>
-              <a:t>9/13/2024</a:t>
+              <a:t>9/16/2024</a:t>
             </a:fld>
             <a:endParaRPr lang="en-US"/>
           </a:p>
@@ -3349,7 +3349,7 @@
           <a:p>
             <a:fld id="{69EFD64F-CF2E-4B26-BBA2-28DC284BC161}" type="datetimeFigureOut">
               <a:rPr lang="en-US" smtClean="0"/>
-              <a:t>9/13/2024</a:t>
+              <a:t>9/16/2024</a:t>
             </a:fld>
             <a:endParaRPr lang="en-US"/>
           </a:p>
@@ -3987,7 +3987,26 @@
               </a:pPr>
               <a:r>
                 <a:rPr lang="en" sz="1400" dirty="0"/>
-                <a:t>x, y timeseries</a:t>
+                <a:t>x, y timeseries – </a:t>
+              </a:r>
+            </a:p>
+            <a:p>
+              <a:pPr marL="0" lvl="0" indent="0" algn="ctr" rtl="0">
+                <a:spcBef>
+                  <a:spcPts val="0"/>
+                </a:spcBef>
+                <a:spcAft>
+                  <a:spcPts val="0"/>
+                </a:spcAft>
+                <a:buNone/>
+              </a:pPr>
+              <a:r>
+                <a:rPr lang="en-US" sz="1400" dirty="0"/>
+                <a:t>c</a:t>
+              </a:r>
+              <a:r>
+                <a:rPr lang="en" sz="1400" dirty="0"/>
+                <a:t>entroid(x,y) per frame </a:t>
               </a:r>
               <a:endParaRPr sz="1400" dirty="0"/>
             </a:p>
